--- a/plugfest/2019-tpac-fukuoka/images/test_scenario.pptx
+++ b/plugfest/2019-tpac-fukuoka/images/test_scenario.pptx
@@ -105,6 +105,11 @@
       </a:defRPr>
     </a:lvl9pPr>
   </p:defaultTextStyle>
+  <p:extLst>
+    <p:ext uri="{EFAFB233-063F-42B5-8137-9DF3F51BA10A}">
+      <p15:sldGuideLst xmlns:p15="http://schemas.microsoft.com/office/powerpoint/2012/main"/>
+    </p:ext>
+  </p:extLst>
 </p:presentation>
 </file>
 
@@ -239,7 +244,7 @@
           <a:p>
             <a:fld id="{D8B4DE93-5630-4245-B8C6-ABC9A9E0DD7C}" type="datetimeFigureOut">
               <a:rPr kumimoji="1" lang="ja-JP" altLang="en-US" smtClean="0"/>
-              <a:t>2019/9/3</a:t>
+              <a:t>2019/9/4</a:t>
             </a:fld>
             <a:endParaRPr kumimoji="1" lang="ja-JP" altLang="en-US"/>
           </a:p>
@@ -441,7 +446,7 @@
           <a:p>
             <a:fld id="{D8B4DE93-5630-4245-B8C6-ABC9A9E0DD7C}" type="datetimeFigureOut">
               <a:rPr kumimoji="1" lang="ja-JP" altLang="en-US" smtClean="0"/>
-              <a:t>2019/9/3</a:t>
+              <a:t>2019/9/4</a:t>
             </a:fld>
             <a:endParaRPr kumimoji="1" lang="ja-JP" altLang="en-US"/>
           </a:p>
@@ -653,7 +658,7 @@
           <a:p>
             <a:fld id="{D8B4DE93-5630-4245-B8C6-ABC9A9E0DD7C}" type="datetimeFigureOut">
               <a:rPr kumimoji="1" lang="ja-JP" altLang="en-US" smtClean="0"/>
-              <a:t>2019/9/3</a:t>
+              <a:t>2019/9/4</a:t>
             </a:fld>
             <a:endParaRPr kumimoji="1" lang="ja-JP" altLang="en-US"/>
           </a:p>
@@ -855,7 +860,7 @@
           <a:p>
             <a:fld id="{D8B4DE93-5630-4245-B8C6-ABC9A9E0DD7C}" type="datetimeFigureOut">
               <a:rPr kumimoji="1" lang="ja-JP" altLang="en-US" smtClean="0"/>
-              <a:t>2019/9/3</a:t>
+              <a:t>2019/9/4</a:t>
             </a:fld>
             <a:endParaRPr kumimoji="1" lang="ja-JP" altLang="en-US"/>
           </a:p>
@@ -1101,7 +1106,7 @@
           <a:p>
             <a:fld id="{D8B4DE93-5630-4245-B8C6-ABC9A9E0DD7C}" type="datetimeFigureOut">
               <a:rPr kumimoji="1" lang="ja-JP" altLang="en-US" smtClean="0"/>
-              <a:t>2019/9/3</a:t>
+              <a:t>2019/9/4</a:t>
             </a:fld>
             <a:endParaRPr kumimoji="1" lang="ja-JP" altLang="en-US"/>
           </a:p>
@@ -1397,7 +1402,7 @@
           <a:p>
             <a:fld id="{D8B4DE93-5630-4245-B8C6-ABC9A9E0DD7C}" type="datetimeFigureOut">
               <a:rPr kumimoji="1" lang="ja-JP" altLang="en-US" smtClean="0"/>
-              <a:t>2019/9/3</a:t>
+              <a:t>2019/9/4</a:t>
             </a:fld>
             <a:endParaRPr kumimoji="1" lang="ja-JP" altLang="en-US"/>
           </a:p>
@@ -1828,7 +1833,7 @@
           <a:p>
             <a:fld id="{D8B4DE93-5630-4245-B8C6-ABC9A9E0DD7C}" type="datetimeFigureOut">
               <a:rPr kumimoji="1" lang="ja-JP" altLang="en-US" smtClean="0"/>
-              <a:t>2019/9/3</a:t>
+              <a:t>2019/9/4</a:t>
             </a:fld>
             <a:endParaRPr kumimoji="1" lang="ja-JP" altLang="en-US"/>
           </a:p>
@@ -1946,7 +1951,7 @@
           <a:p>
             <a:fld id="{D8B4DE93-5630-4245-B8C6-ABC9A9E0DD7C}" type="datetimeFigureOut">
               <a:rPr kumimoji="1" lang="ja-JP" altLang="en-US" smtClean="0"/>
-              <a:t>2019/9/3</a:t>
+              <a:t>2019/9/4</a:t>
             </a:fld>
             <a:endParaRPr kumimoji="1" lang="ja-JP" altLang="en-US"/>
           </a:p>
@@ -2041,7 +2046,7 @@
           <a:p>
             <a:fld id="{D8B4DE93-5630-4245-B8C6-ABC9A9E0DD7C}" type="datetimeFigureOut">
               <a:rPr kumimoji="1" lang="ja-JP" altLang="en-US" smtClean="0"/>
-              <a:t>2019/9/3</a:t>
+              <a:t>2019/9/4</a:t>
             </a:fld>
             <a:endParaRPr kumimoji="1" lang="ja-JP" altLang="en-US"/>
           </a:p>
@@ -2350,7 +2355,7 @@
           <a:p>
             <a:fld id="{D8B4DE93-5630-4245-B8C6-ABC9A9E0DD7C}" type="datetimeFigureOut">
               <a:rPr kumimoji="1" lang="ja-JP" altLang="en-US" smtClean="0"/>
-              <a:t>2019/9/3</a:t>
+              <a:t>2019/9/4</a:t>
             </a:fld>
             <a:endParaRPr kumimoji="1" lang="ja-JP" altLang="en-US"/>
           </a:p>
@@ -2603,7 +2608,7 @@
           <a:p>
             <a:fld id="{D8B4DE93-5630-4245-B8C6-ABC9A9E0DD7C}" type="datetimeFigureOut">
               <a:rPr kumimoji="1" lang="ja-JP" altLang="en-US" smtClean="0"/>
-              <a:t>2019/9/3</a:t>
+              <a:t>2019/9/4</a:t>
             </a:fld>
             <a:endParaRPr kumimoji="1" lang="ja-JP" altLang="en-US"/>
           </a:p>
@@ -2848,7 +2853,7 @@
           <a:p>
             <a:fld id="{D8B4DE93-5630-4245-B8C6-ABC9A9E0DD7C}" type="datetimeFigureOut">
               <a:rPr kumimoji="1" lang="ja-JP" altLang="en-US" smtClean="0"/>
-              <a:t>2019/9/3</a:t>
+              <a:t>2019/9/4</a:t>
             </a:fld>
             <a:endParaRPr kumimoji="1" lang="ja-JP" altLang="en-US"/>
           </a:p>
@@ -3262,7 +3267,7 @@
         </p:nvSpPr>
         <p:spPr>
           <a:xfrm>
-            <a:off x="10086928" y="1478766"/>
+            <a:off x="9904048" y="1478766"/>
             <a:ext cx="1898527" cy="1564479"/>
           </a:xfrm>
           <a:prstGeom prst="roundRect">
@@ -3305,8 +3310,8 @@
         </p:nvSpPr>
         <p:spPr>
           <a:xfrm>
-            <a:off x="6538288" y="1478766"/>
-            <a:ext cx="3491538" cy="1564479"/>
+            <a:off x="8080970" y="1478766"/>
+            <a:ext cx="1743116" cy="1564479"/>
           </a:xfrm>
           <a:prstGeom prst="roundRect">
             <a:avLst>
@@ -3392,7 +3397,7 @@
         <p:spPr>
           <a:xfrm>
             <a:off x="3782595" y="4069552"/>
-            <a:ext cx="1588586" cy="2531270"/>
+            <a:ext cx="1588586" cy="1159671"/>
           </a:xfrm>
           <a:prstGeom prst="roundRect">
             <a:avLst>
@@ -3980,14 +3985,14 @@
       </p:cxnSp>
       <p:sp>
         <p:nvSpPr>
-          <p:cNvPr id="29" name="正方形/長方形 28"/>
+          <p:cNvPr id="30" name="正方形/長方形 29"/>
           <p:cNvSpPr/>
           <p:nvPr/>
         </p:nvSpPr>
         <p:spPr>
           <a:xfrm>
-            <a:off x="3900479" y="4167184"/>
-            <a:ext cx="1385888" cy="590550"/>
+            <a:off x="3907622" y="4221951"/>
+            <a:ext cx="1385888" cy="854867"/>
           </a:xfrm>
           <a:prstGeom prst="rect">
             <a:avLst/>
@@ -4019,12 +4024,12 @@
               <a:t>Fujitsu </a:t>
             </a:r>
             <a:r>
-              <a:rPr lang="en-US" altLang="ja-JP" dirty="0" smtClean="0"/>
-              <a:t>b</a:t>
-            </a:r>
-            <a:r>
-              <a:rPr kumimoji="1" lang="en-US" altLang="ja-JP" dirty="0" smtClean="0"/>
-              <a:t>uzzer</a:t>
+              <a:rPr kumimoji="1" lang="en-US" altLang="ja-JP" dirty="0" smtClean="0"/>
+              <a:t>environment </a:t>
+            </a:r>
+            <a:r>
+              <a:rPr kumimoji="1" lang="en-US" altLang="ja-JP" dirty="0" smtClean="0"/>
+              <a:t>sensor</a:t>
             </a:r>
             <a:endParaRPr kumimoji="1" lang="ja-JP" altLang="en-US" dirty="0"/>
           </a:p>
@@ -4032,13 +4037,85 @@
       </p:sp>
       <p:sp>
         <p:nvSpPr>
-          <p:cNvPr id="30" name="正方形/長方形 29"/>
+          <p:cNvPr id="36" name="テキスト ボックス 35"/>
+          <p:cNvSpPr txBox="1"/>
+          <p:nvPr/>
+        </p:nvSpPr>
+        <p:spPr>
+          <a:xfrm>
+            <a:off x="2171622" y="45911"/>
+            <a:ext cx="5933034" cy="523220"/>
+          </a:xfrm>
+          <a:prstGeom prst="rect">
+            <a:avLst/>
+          </a:prstGeom>
+          <a:noFill/>
+        </p:spPr>
+        <p:txBody>
+          <a:bodyPr wrap="none" rtlCol="0">
+            <a:spAutoFit/>
+          </a:bodyPr>
+          <a:lstStyle/>
+          <a:p>
+            <a:r>
+              <a:rPr kumimoji="1" lang="en-US" altLang="ja-JP" sz="2800" dirty="0" smtClean="0"/>
+              <a:t>Scenario 1: Smart home/Smart building</a:t>
+            </a:r>
+            <a:endParaRPr kumimoji="1" lang="ja-JP" altLang="en-US" sz="2800" dirty="0"/>
+          </a:p>
+        </p:txBody>
+      </p:sp>
+      <p:sp>
+        <p:nvSpPr>
+          <p:cNvPr id="38" name="円/楕円 37"/>
           <p:cNvSpPr/>
           <p:nvPr/>
         </p:nvSpPr>
         <p:spPr>
           <a:xfrm>
-            <a:off x="3907622" y="4907752"/>
+            <a:off x="5422091" y="4069552"/>
+            <a:ext cx="1728787" cy="785813"/>
+          </a:xfrm>
+          <a:prstGeom prst="ellipse">
+            <a:avLst/>
+          </a:prstGeom>
+        </p:spPr>
+        <p:style>
+          <a:lnRef idx="2">
+            <a:schemeClr val="accent1"/>
+          </a:lnRef>
+          <a:fillRef idx="1">
+            <a:schemeClr val="lt1"/>
+          </a:fillRef>
+          <a:effectRef idx="0">
+            <a:schemeClr val="accent1"/>
+          </a:effectRef>
+          <a:fontRef idx="minor">
+            <a:schemeClr val="dk1"/>
+          </a:fontRef>
+        </p:style>
+        <p:txBody>
+          <a:bodyPr rtlCol="0" anchor="ctr"/>
+          <a:lstStyle/>
+          <a:p>
+            <a:pPr algn="ctr"/>
+            <a:r>
+              <a:rPr kumimoji="1" lang="en-US" altLang="ja-JP" dirty="0" smtClean="0"/>
+              <a:t>Mozilla gateway</a:t>
+            </a:r>
+            <a:endParaRPr kumimoji="1" lang="ja-JP" altLang="en-US" dirty="0"/>
+          </a:p>
+        </p:txBody>
+      </p:sp>
+      <p:sp>
+        <p:nvSpPr>
+          <p:cNvPr id="39" name="正方形/長方形 38"/>
+          <p:cNvSpPr/>
+          <p:nvPr/>
+        </p:nvSpPr>
+        <p:spPr>
+          <a:xfrm>
+            <a:off x="5593540" y="5076819"/>
             <a:ext cx="1385888" cy="590550"/>
           </a:xfrm>
           <a:prstGeom prst="rect">
@@ -4068,15 +4145,7 @@
             <a:pPr algn="ctr"/>
             <a:r>
               <a:rPr kumimoji="1" lang="en-US" altLang="ja-JP" dirty="0" smtClean="0"/>
-              <a:t>Fujitsu </a:t>
-            </a:r>
-            <a:r>
-              <a:rPr kumimoji="1" lang="en-US" altLang="ja-JP" dirty="0" err="1" smtClean="0"/>
-              <a:t>env</a:t>
-            </a:r>
-            <a:r>
-              <a:rPr kumimoji="1" lang="en-US" altLang="ja-JP" dirty="0" smtClean="0"/>
-              <a:t>. sensor</a:t>
+              <a:t>Mozilla LED light</a:t>
             </a:r>
             <a:endParaRPr kumimoji="1" lang="ja-JP" altLang="en-US" dirty="0"/>
           </a:p>
@@ -4084,44 +4153,14 @@
       </p:sp>
       <p:sp>
         <p:nvSpPr>
-          <p:cNvPr id="36" name="テキスト ボックス 35"/>
-          <p:cNvSpPr txBox="1"/>
-          <p:nvPr/>
-        </p:nvSpPr>
-        <p:spPr>
-          <a:xfrm>
-            <a:off x="2171622" y="45911"/>
-            <a:ext cx="5933034" cy="523220"/>
-          </a:xfrm>
-          <a:prstGeom prst="rect">
-            <a:avLst/>
-          </a:prstGeom>
-          <a:noFill/>
-        </p:spPr>
-        <p:txBody>
-          <a:bodyPr wrap="none" rtlCol="0">
-            <a:spAutoFit/>
-          </a:bodyPr>
-          <a:lstStyle/>
-          <a:p>
-            <a:r>
-              <a:rPr kumimoji="1" lang="en-US" altLang="ja-JP" sz="2800" dirty="0" smtClean="0"/>
-              <a:t>Scenario 1: Smart home/Smart building</a:t>
-            </a:r>
-            <a:endParaRPr kumimoji="1" lang="ja-JP" altLang="en-US" sz="2800" dirty="0"/>
-          </a:p>
-        </p:txBody>
-      </p:sp>
-      <p:sp>
-        <p:nvSpPr>
-          <p:cNvPr id="37" name="正方形/長方形 36"/>
+          <p:cNvPr id="40" name="正方形/長方形 39"/>
           <p:cNvSpPr/>
           <p:nvPr/>
         </p:nvSpPr>
         <p:spPr>
           <a:xfrm>
-            <a:off x="3907622" y="5667369"/>
-            <a:ext cx="1385888" cy="833441"/>
+            <a:off x="7500909" y="4167183"/>
+            <a:ext cx="1385888" cy="590550"/>
           </a:xfrm>
           <a:prstGeom prst="rect">
             <a:avLst/>
@@ -4150,7 +4189,7 @@
             <a:pPr algn="ctr"/>
             <a:r>
               <a:rPr kumimoji="1" lang="en-US" altLang="ja-JP" dirty="0" smtClean="0"/>
-              <a:t>Fujitsu wearable sensor</a:t>
+              <a:t>TUM light sensor</a:t>
             </a:r>
             <a:endParaRPr kumimoji="1" lang="ja-JP" altLang="en-US" dirty="0"/>
           </a:p>
@@ -4158,55 +4197,13 @@
       </p:sp>
       <p:sp>
         <p:nvSpPr>
-          <p:cNvPr id="38" name="円/楕円 37"/>
+          <p:cNvPr id="41" name="正方形/長方形 40"/>
           <p:cNvSpPr/>
           <p:nvPr/>
         </p:nvSpPr>
         <p:spPr>
           <a:xfrm>
-            <a:off x="5422091" y="4069552"/>
-            <a:ext cx="1728787" cy="785813"/>
-          </a:xfrm>
-          <a:prstGeom prst="ellipse">
-            <a:avLst/>
-          </a:prstGeom>
-        </p:spPr>
-        <p:style>
-          <a:lnRef idx="2">
-            <a:schemeClr val="accent1"/>
-          </a:lnRef>
-          <a:fillRef idx="1">
-            <a:schemeClr val="lt1"/>
-          </a:fillRef>
-          <a:effectRef idx="0">
-            <a:schemeClr val="accent1"/>
-          </a:effectRef>
-          <a:fontRef idx="minor">
-            <a:schemeClr val="dk1"/>
-          </a:fontRef>
-        </p:style>
-        <p:txBody>
-          <a:bodyPr rtlCol="0" anchor="ctr"/>
-          <a:lstStyle/>
-          <a:p>
-            <a:pPr algn="ctr"/>
-            <a:r>
-              <a:rPr kumimoji="1" lang="en-US" altLang="ja-JP" dirty="0" smtClean="0"/>
-              <a:t>Mozilla gateway</a:t>
-            </a:r>
-            <a:endParaRPr kumimoji="1" lang="ja-JP" altLang="en-US" dirty="0"/>
-          </a:p>
-        </p:txBody>
-      </p:sp>
-      <p:sp>
-        <p:nvSpPr>
-          <p:cNvPr id="39" name="正方形/長方形 38"/>
-          <p:cNvSpPr/>
-          <p:nvPr/>
-        </p:nvSpPr>
-        <p:spPr>
-          <a:xfrm>
-            <a:off x="5593540" y="5076819"/>
+            <a:off x="7500909" y="4905373"/>
             <a:ext cx="1385888" cy="590550"/>
           </a:xfrm>
           <a:prstGeom prst="rect">
@@ -4236,7 +4233,7 @@
             <a:pPr algn="ctr"/>
             <a:r>
               <a:rPr kumimoji="1" lang="en-US" altLang="ja-JP" dirty="0" smtClean="0"/>
-              <a:t>Mozilla LED light</a:t>
+              <a:t>TUM sense HAT</a:t>
             </a:r>
             <a:endParaRPr kumimoji="1" lang="ja-JP" altLang="en-US" dirty="0"/>
           </a:p>
@@ -4244,13 +4241,13 @@
       </p:sp>
       <p:sp>
         <p:nvSpPr>
-          <p:cNvPr id="40" name="正方形/長方形 39"/>
+          <p:cNvPr id="42" name="正方形/長方形 41"/>
           <p:cNvSpPr/>
           <p:nvPr/>
         </p:nvSpPr>
         <p:spPr>
           <a:xfrm>
-            <a:off x="7500909" y="4167183"/>
+            <a:off x="9001097" y="4167183"/>
             <a:ext cx="1385888" cy="590550"/>
           </a:xfrm>
           <a:prstGeom prst="rect">
@@ -4280,7 +4277,7 @@
             <a:pPr algn="ctr"/>
             <a:r>
               <a:rPr kumimoji="1" lang="en-US" altLang="ja-JP" dirty="0" smtClean="0"/>
-              <a:t>TUM light sensor</a:t>
+              <a:t>Intel web camera</a:t>
             </a:r>
             <a:endParaRPr kumimoji="1" lang="ja-JP" altLang="en-US" dirty="0"/>
           </a:p>
@@ -4288,13 +4285,13 @@
       </p:sp>
       <p:sp>
         <p:nvSpPr>
-          <p:cNvPr id="41" name="正方形/長方形 40"/>
+          <p:cNvPr id="43" name="正方形/長方形 42"/>
           <p:cNvSpPr/>
           <p:nvPr/>
         </p:nvSpPr>
         <p:spPr>
           <a:xfrm>
-            <a:off x="7500909" y="4905373"/>
+            <a:off x="9001096" y="4905373"/>
             <a:ext cx="1385888" cy="590550"/>
           </a:xfrm>
           <a:prstGeom prst="rect">
@@ -4324,7 +4321,7 @@
             <a:pPr algn="ctr"/>
             <a:r>
               <a:rPr kumimoji="1" lang="en-US" altLang="ja-JP" dirty="0" smtClean="0"/>
-              <a:t>TUM sense HAT</a:t>
+              <a:t>Intel web speak</a:t>
             </a:r>
             <a:endParaRPr kumimoji="1" lang="ja-JP" altLang="en-US" dirty="0"/>
           </a:p>
@@ -4332,14 +4329,14 @@
       </p:sp>
       <p:sp>
         <p:nvSpPr>
-          <p:cNvPr id="42" name="正方形/長方形 41"/>
+          <p:cNvPr id="44" name="正方形/長方形 43"/>
           <p:cNvSpPr/>
           <p:nvPr/>
         </p:nvSpPr>
         <p:spPr>
           <a:xfrm>
-            <a:off x="9001097" y="4167183"/>
-            <a:ext cx="1385888" cy="590550"/>
+            <a:off x="8195285" y="1614743"/>
+            <a:ext cx="1514478" cy="590550"/>
           </a:xfrm>
           <a:prstGeom prst="rect">
             <a:avLst/>
@@ -4368,7 +4365,7 @@
             <a:pPr algn="ctr"/>
             <a:r>
               <a:rPr kumimoji="1" lang="en-US" altLang="ja-JP" dirty="0" smtClean="0"/>
-              <a:t>Intel web camera</a:t>
+              <a:t>Panasonic air conditioner</a:t>
             </a:r>
             <a:endParaRPr kumimoji="1" lang="ja-JP" altLang="en-US" dirty="0"/>
           </a:p>
@@ -4376,14 +4373,14 @@
       </p:sp>
       <p:sp>
         <p:nvSpPr>
-          <p:cNvPr id="43" name="正方形/長方形 42"/>
+          <p:cNvPr id="47" name="正方形/長方形 46"/>
           <p:cNvSpPr/>
           <p:nvPr/>
         </p:nvSpPr>
         <p:spPr>
           <a:xfrm>
-            <a:off x="9001096" y="4905373"/>
-            <a:ext cx="1385888" cy="590550"/>
+            <a:off x="8195285" y="2350304"/>
+            <a:ext cx="1514478" cy="590550"/>
           </a:xfrm>
           <a:prstGeom prst="rect">
             <a:avLst/>
@@ -4412,7 +4409,11 @@
             <a:pPr algn="ctr"/>
             <a:r>
               <a:rPr kumimoji="1" lang="en-US" altLang="ja-JP" dirty="0" smtClean="0"/>
-              <a:t>Intel web speak</a:t>
+              <a:t>Philips hue </a:t>
+            </a:r>
+            <a:r>
+              <a:rPr kumimoji="1" lang="en-US" altLang="ja-JP" dirty="0" smtClean="0"/>
+              <a:t>light</a:t>
             </a:r>
             <a:endParaRPr kumimoji="1" lang="ja-JP" altLang="en-US" dirty="0"/>
           </a:p>
@@ -4420,14 +4421,14 @@
       </p:sp>
       <p:sp>
         <p:nvSpPr>
-          <p:cNvPr id="44" name="正方形/長方形 43"/>
+          <p:cNvPr id="50" name="正方形/長方形 49"/>
           <p:cNvSpPr/>
           <p:nvPr/>
         </p:nvSpPr>
         <p:spPr>
           <a:xfrm>
-            <a:off x="6715121" y="1616877"/>
-            <a:ext cx="1514478" cy="590550"/>
+            <a:off x="10004066" y="1612114"/>
+            <a:ext cx="1658039" cy="590549"/>
           </a:xfrm>
           <a:prstGeom prst="rect">
             <a:avLst/>
@@ -4456,182 +4457,6 @@
             <a:pPr algn="ctr"/>
             <a:r>
               <a:rPr kumimoji="1" lang="en-US" altLang="ja-JP" dirty="0" smtClean="0"/>
-              <a:t>Panasonic air conditioner</a:t>
-            </a:r>
-            <a:endParaRPr kumimoji="1" lang="ja-JP" altLang="en-US" dirty="0"/>
-          </a:p>
-        </p:txBody>
-      </p:sp>
-      <p:sp>
-        <p:nvSpPr>
-          <p:cNvPr id="45" name="正方形/長方形 44"/>
-          <p:cNvSpPr/>
-          <p:nvPr/>
-        </p:nvSpPr>
-        <p:spPr>
-          <a:xfrm>
-            <a:off x="6715121" y="2355067"/>
-            <a:ext cx="1514478" cy="590550"/>
-          </a:xfrm>
-          <a:prstGeom prst="rect">
-            <a:avLst/>
-          </a:prstGeom>
-        </p:spPr>
-        <p:style>
-          <a:lnRef idx="2">
-            <a:schemeClr val="accent1">
-              <a:shade val="50000"/>
-            </a:schemeClr>
-          </a:lnRef>
-          <a:fillRef idx="1">
-            <a:schemeClr val="accent1"/>
-          </a:fillRef>
-          <a:effectRef idx="0">
-            <a:schemeClr val="accent1"/>
-          </a:effectRef>
-          <a:fontRef idx="minor">
-            <a:schemeClr val="lt1"/>
-          </a:fontRef>
-        </p:style>
-        <p:txBody>
-          <a:bodyPr rtlCol="0" anchor="ctr"/>
-          <a:lstStyle/>
-          <a:p>
-            <a:pPr algn="ctr"/>
-            <a:r>
-              <a:rPr kumimoji="1" lang="en-US" altLang="ja-JP" dirty="0" smtClean="0"/>
-              <a:t>Panasonic cleaner</a:t>
-            </a:r>
-            <a:endParaRPr kumimoji="1" lang="ja-JP" altLang="en-US" dirty="0"/>
-          </a:p>
-        </p:txBody>
-      </p:sp>
-      <p:sp>
-        <p:nvSpPr>
-          <p:cNvPr id="46" name="正方形/長方形 45"/>
-          <p:cNvSpPr/>
-          <p:nvPr/>
-        </p:nvSpPr>
-        <p:spPr>
-          <a:xfrm>
-            <a:off x="8401025" y="1612114"/>
-            <a:ext cx="1514478" cy="590550"/>
-          </a:xfrm>
-          <a:prstGeom prst="rect">
-            <a:avLst/>
-          </a:prstGeom>
-        </p:spPr>
-        <p:style>
-          <a:lnRef idx="2">
-            <a:schemeClr val="accent1">
-              <a:shade val="50000"/>
-            </a:schemeClr>
-          </a:lnRef>
-          <a:fillRef idx="1">
-            <a:schemeClr val="accent1"/>
-          </a:fillRef>
-          <a:effectRef idx="0">
-            <a:schemeClr val="accent1"/>
-          </a:effectRef>
-          <a:fontRef idx="minor">
-            <a:schemeClr val="lt1"/>
-          </a:fontRef>
-        </p:style>
-        <p:txBody>
-          <a:bodyPr rtlCol="0" anchor="ctr"/>
-          <a:lstStyle/>
-          <a:p>
-            <a:pPr algn="ctr"/>
-            <a:r>
-              <a:rPr kumimoji="1" lang="en-US" altLang="ja-JP" dirty="0" smtClean="0"/>
-              <a:t>Panasonic bulletin board</a:t>
-            </a:r>
-            <a:endParaRPr kumimoji="1" lang="ja-JP" altLang="en-US" dirty="0"/>
-          </a:p>
-        </p:txBody>
-      </p:sp>
-      <p:sp>
-        <p:nvSpPr>
-          <p:cNvPr id="47" name="正方形/長方形 46"/>
-          <p:cNvSpPr/>
-          <p:nvPr/>
-        </p:nvSpPr>
-        <p:spPr>
-          <a:xfrm>
-            <a:off x="8401025" y="2350304"/>
-            <a:ext cx="1514478" cy="590550"/>
-          </a:xfrm>
-          <a:prstGeom prst="rect">
-            <a:avLst/>
-          </a:prstGeom>
-        </p:spPr>
-        <p:style>
-          <a:lnRef idx="2">
-            <a:schemeClr val="accent1">
-              <a:shade val="50000"/>
-            </a:schemeClr>
-          </a:lnRef>
-          <a:fillRef idx="1">
-            <a:schemeClr val="accent1"/>
-          </a:fillRef>
-          <a:effectRef idx="0">
-            <a:schemeClr val="accent1"/>
-          </a:effectRef>
-          <a:fontRef idx="minor">
-            <a:schemeClr val="lt1"/>
-          </a:fontRef>
-        </p:style>
-        <p:txBody>
-          <a:bodyPr rtlCol="0" anchor="ctr"/>
-          <a:lstStyle/>
-          <a:p>
-            <a:pPr algn="ctr"/>
-            <a:r>
-              <a:rPr kumimoji="1" lang="en-US" altLang="ja-JP" dirty="0" smtClean="0"/>
-              <a:t>Panasonic hue light</a:t>
-            </a:r>
-            <a:endParaRPr kumimoji="1" lang="ja-JP" altLang="en-US" dirty="0"/>
-          </a:p>
-        </p:txBody>
-      </p:sp>
-      <p:sp>
-        <p:nvSpPr>
-          <p:cNvPr id="50" name="正方形/長方形 49"/>
-          <p:cNvSpPr/>
-          <p:nvPr/>
-        </p:nvSpPr>
-        <p:spPr>
-          <a:xfrm>
-            <a:off x="10186946" y="1612114"/>
-            <a:ext cx="1658039" cy="590549"/>
-          </a:xfrm>
-          <a:prstGeom prst="rect">
-            <a:avLst/>
-          </a:prstGeom>
-        </p:spPr>
-        <p:style>
-          <a:lnRef idx="2">
-            <a:schemeClr val="accent1">
-              <a:shade val="50000"/>
-            </a:schemeClr>
-          </a:lnRef>
-          <a:fillRef idx="1">
-            <a:schemeClr val="accent1"/>
-          </a:fillRef>
-          <a:effectRef idx="0">
-            <a:schemeClr val="accent1"/>
-          </a:effectRef>
-          <a:fontRef idx="minor">
-            <a:schemeClr val="lt1"/>
-          </a:fontRef>
-        </p:style>
-        <p:txBody>
-          <a:bodyPr rtlCol="0" anchor="ctr"/>
-          <a:lstStyle/>
-          <a:p>
-            <a:pPr algn="ctr"/>
-            <a:r>
-              <a:rPr kumimoji="1" lang="en-US" altLang="ja-JP" dirty="0" smtClean="0"/>
               <a:t>Oracle HVAC simulator</a:t>
             </a:r>
             <a:endParaRPr kumimoji="1" lang="ja-JP" altLang="en-US" dirty="0"/>
@@ -4646,7 +4471,7 @@
         </p:nvSpPr>
         <p:spPr>
           <a:xfrm>
-            <a:off x="10186945" y="2350305"/>
+            <a:off x="10004065" y="2350305"/>
             <a:ext cx="1658039" cy="590549"/>
           </a:xfrm>
           <a:prstGeom prst="rect">
@@ -4830,7 +4655,7 @@
             <a:pPr algn="ctr"/>
             <a:r>
               <a:rPr kumimoji="1" lang="en-US" altLang="ja-JP" dirty="0" smtClean="0"/>
-              <a:t>Applications</a:t>
+              <a:t>Application</a:t>
             </a:r>
             <a:endParaRPr kumimoji="1" lang="ja-JP" altLang="en-US" dirty="0"/>
           </a:p>
@@ -4881,7 +4706,7 @@
         <p:spPr>
           <a:xfrm>
             <a:off x="5733739" y="1200322"/>
-            <a:ext cx="2550318" cy="278444"/>
+            <a:ext cx="3218789" cy="278444"/>
           </a:xfrm>
           <a:prstGeom prst="line">
             <a:avLst/>
@@ -4914,7 +4739,7 @@
         <p:spPr>
           <a:xfrm>
             <a:off x="5733739" y="1200322"/>
-            <a:ext cx="5302453" cy="278444"/>
+            <a:ext cx="5119573" cy="278444"/>
           </a:xfrm>
           <a:prstGeom prst="line">
             <a:avLst/>
@@ -4943,7 +4768,7 @@
         </p:nvSpPr>
         <p:spPr>
           <a:xfrm>
-            <a:off x="10581108" y="3026340"/>
+            <a:off x="10398228" y="3026340"/>
             <a:ext cx="1524841" cy="369332"/>
           </a:xfrm>
           <a:prstGeom prst="rect">
@@ -4973,7 +4798,7 @@
         </p:nvSpPr>
         <p:spPr>
           <a:xfrm>
-            <a:off x="8168547" y="3024191"/>
+            <a:off x="7962807" y="3024191"/>
             <a:ext cx="1861279" cy="369332"/>
           </a:xfrm>
           <a:prstGeom prst="rect">
@@ -5063,7 +4888,7 @@
         </p:nvSpPr>
         <p:spPr>
           <a:xfrm>
-            <a:off x="4001185" y="6526883"/>
+            <a:off x="3801896" y="5229223"/>
             <a:ext cx="1481175" cy="369332"/>
           </a:xfrm>
           <a:prstGeom prst="rect">
@@ -5208,29 +5033,6 @@
               <a:t>Local (Fujitsu)</a:t>
             </a:r>
             <a:endParaRPr kumimoji="1" lang="ja-JP" altLang="en-US" dirty="0"/>
-          </a:p>
-        </p:txBody>
-      </p:sp>
-      <p:sp>
-        <p:nvSpPr>
-          <p:cNvPr id="102" name="スライド番号プレースホルダー 101"/>
-          <p:cNvSpPr>
-            <a:spLocks noGrp="1"/>
-          </p:cNvSpPr>
-          <p:nvPr>
-            <p:ph type="sldNum" sz="quarter" idx="12"/>
-          </p:nvPr>
-        </p:nvSpPr>
-        <p:spPr/>
-        <p:txBody>
-          <a:bodyPr/>
-          <a:lstStyle/>
-          <a:p>
-            <a:fld id="{C8D64EF4-1CDB-4D2D-BB89-E18541D2FD39}" type="slidenum">
-              <a:rPr kumimoji="1" lang="ja-JP" altLang="en-US" smtClean="0"/>
-              <a:t>1</a:t>
-            </a:fld>
-            <a:endParaRPr kumimoji="1" lang="ja-JP" altLang="en-US"/>
           </a:p>
         </p:txBody>
       </p:sp>
@@ -5358,7 +5160,7 @@
         </p:nvSpPr>
         <p:spPr>
           <a:xfrm>
-            <a:off x="4318377" y="4069552"/>
+            <a:off x="5472807" y="4069552"/>
             <a:ext cx="4697019" cy="1597817"/>
           </a:xfrm>
           <a:prstGeom prst="roundRect">
@@ -5401,8 +5203,8 @@
         </p:nvSpPr>
         <p:spPr>
           <a:xfrm>
-            <a:off x="782203" y="4069552"/>
-            <a:ext cx="1588586" cy="2302673"/>
+            <a:off x="330863" y="4069553"/>
+            <a:ext cx="3194356" cy="1828328"/>
           </a:xfrm>
           <a:prstGeom prst="roundRect">
             <a:avLst>
@@ -5498,7 +5300,7 @@
         </p:nvSpPr>
         <p:spPr>
           <a:xfrm>
-            <a:off x="2139536" y="3024192"/>
+            <a:off x="3410394" y="2773212"/>
             <a:ext cx="1728787" cy="785813"/>
           </a:xfrm>
           <a:prstGeom prst="ellipse">
@@ -5554,9 +5356,9 @@
           <p:nvPr/>
         </p:nvCxnSpPr>
         <p:spPr>
-          <a:xfrm flipH="1">
-            <a:off x="3003930" y="2340775"/>
-            <a:ext cx="1268026" cy="683417"/>
+          <a:xfrm>
+            <a:off x="4271956" y="2340775"/>
+            <a:ext cx="2832" cy="432437"/>
           </a:xfrm>
           <a:prstGeom prst="line">
             <a:avLst/>
@@ -5585,7 +5387,7 @@
         </p:nvSpPr>
         <p:spPr>
           <a:xfrm>
-            <a:off x="900087" y="4167184"/>
+            <a:off x="2054517" y="4167184"/>
             <a:ext cx="1385888" cy="590550"/>
           </a:xfrm>
           <a:prstGeom prst="rect">
@@ -5637,8 +5439,8 @@
         </p:nvSpPr>
         <p:spPr>
           <a:xfrm>
-            <a:off x="907230" y="4907752"/>
-            <a:ext cx="1385888" cy="590550"/>
+            <a:off x="2061660" y="4907751"/>
+            <a:ext cx="1385888" cy="841537"/>
           </a:xfrm>
           <a:prstGeom prst="rect">
             <a:avLst/>
@@ -5670,12 +5472,12 @@
               <a:t>Fujitsu </a:t>
             </a:r>
             <a:r>
-              <a:rPr kumimoji="1" lang="en-US" altLang="ja-JP" dirty="0" err="1" smtClean="0"/>
-              <a:t>env</a:t>
-            </a:r>
-            <a:r>
-              <a:rPr kumimoji="1" lang="en-US" altLang="ja-JP" dirty="0" smtClean="0"/>
-              <a:t>. sensor</a:t>
+              <a:rPr kumimoji="1" lang="en-US" altLang="ja-JP" dirty="0" smtClean="0"/>
+              <a:t>environment </a:t>
+            </a:r>
+            <a:r>
+              <a:rPr kumimoji="1" lang="en-US" altLang="ja-JP" dirty="0" smtClean="0"/>
+              <a:t>sensor</a:t>
             </a:r>
             <a:endParaRPr kumimoji="1" lang="ja-JP" altLang="en-US" dirty="0"/>
           </a:p>
@@ -5719,7 +5521,7 @@
         </p:nvSpPr>
         <p:spPr>
           <a:xfrm>
-            <a:off x="907230" y="5667369"/>
+            <a:off x="505772" y="4165744"/>
             <a:ext cx="1385888" cy="599967"/>
           </a:xfrm>
           <a:prstGeom prst="rect">
@@ -5763,7 +5565,7 @@
         </p:nvSpPr>
         <p:spPr>
           <a:xfrm>
-            <a:off x="2421699" y="4069552"/>
+            <a:off x="3576129" y="4069552"/>
             <a:ext cx="1728787" cy="785813"/>
           </a:xfrm>
           <a:prstGeom prst="ellipse">
@@ -5805,7 +5607,7 @@
         </p:nvSpPr>
         <p:spPr>
           <a:xfrm>
-            <a:off x="2593148" y="5076819"/>
+            <a:off x="3747578" y="5076819"/>
             <a:ext cx="1385888" cy="590550"/>
           </a:xfrm>
           <a:prstGeom prst="rect">
@@ -5849,7 +5651,7 @@
         </p:nvSpPr>
         <p:spPr>
           <a:xfrm>
-            <a:off x="4500517" y="4167183"/>
+            <a:off x="5654947" y="4167183"/>
             <a:ext cx="1385888" cy="590550"/>
           </a:xfrm>
           <a:prstGeom prst="rect">
@@ -5893,7 +5695,7 @@
         </p:nvSpPr>
         <p:spPr>
           <a:xfrm>
-            <a:off x="4500517" y="4905373"/>
+            <a:off x="5654947" y="4905373"/>
             <a:ext cx="1385888" cy="590550"/>
           </a:xfrm>
           <a:prstGeom prst="rect">
@@ -5931,13 +5733,13 @@
       </p:sp>
       <p:sp>
         <p:nvSpPr>
-          <p:cNvPr id="42" name="正方形/長方形 41"/>
+          <p:cNvPr id="43" name="正方形/長方形 42"/>
           <p:cNvSpPr/>
           <p:nvPr/>
         </p:nvSpPr>
         <p:spPr>
           <a:xfrm>
-            <a:off x="6000705" y="4167183"/>
+            <a:off x="7155135" y="4165744"/>
             <a:ext cx="1385888" cy="590550"/>
           </a:xfrm>
           <a:prstGeom prst="rect">
@@ -5967,7 +5769,7 @@
             <a:pPr algn="ctr"/>
             <a:r>
               <a:rPr kumimoji="1" lang="en-US" altLang="ja-JP" dirty="0" smtClean="0"/>
-              <a:t>Intel web camera</a:t>
+              <a:t>Intel web speak</a:t>
             </a:r>
             <a:endParaRPr kumimoji="1" lang="ja-JP" altLang="en-US" dirty="0"/>
           </a:p>
@@ -5975,14 +5777,14 @@
       </p:sp>
       <p:sp>
         <p:nvSpPr>
-          <p:cNvPr id="43" name="正方形/長方形 42"/>
+          <p:cNvPr id="44" name="正方形/長方形 43"/>
           <p:cNvSpPr/>
           <p:nvPr/>
         </p:nvSpPr>
         <p:spPr>
           <a:xfrm>
-            <a:off x="6000704" y="4905373"/>
-            <a:ext cx="1385888" cy="590550"/>
+            <a:off x="6572241" y="1616877"/>
+            <a:ext cx="1514478" cy="590550"/>
           </a:xfrm>
           <a:prstGeom prst="rect">
             <a:avLst/>
@@ -6011,7 +5813,7 @@
             <a:pPr algn="ctr"/>
             <a:r>
               <a:rPr kumimoji="1" lang="en-US" altLang="ja-JP" dirty="0" smtClean="0"/>
-              <a:t>Intel web speak</a:t>
+              <a:t>Panasonic air conditioner</a:t>
             </a:r>
             <a:endParaRPr kumimoji="1" lang="ja-JP" altLang="en-US" dirty="0"/>
           </a:p>
@@ -6019,13 +5821,13 @@
       </p:sp>
       <p:sp>
         <p:nvSpPr>
-          <p:cNvPr id="44" name="正方形/長方形 43"/>
+          <p:cNvPr id="46" name="正方形/長方形 45"/>
           <p:cNvSpPr/>
           <p:nvPr/>
         </p:nvSpPr>
         <p:spPr>
           <a:xfrm>
-            <a:off x="6572241" y="1616877"/>
+            <a:off x="6572241" y="2340775"/>
             <a:ext cx="1514478" cy="590550"/>
           </a:xfrm>
           <a:prstGeom prst="rect">
@@ -6055,7 +5857,7 @@
             <a:pPr algn="ctr"/>
             <a:r>
               <a:rPr kumimoji="1" lang="en-US" altLang="ja-JP" dirty="0" smtClean="0"/>
-              <a:t>Panasonic air conditioner</a:t>
+              <a:t>Panasonic bulletin board</a:t>
             </a:r>
             <a:endParaRPr kumimoji="1" lang="ja-JP" altLang="en-US" dirty="0"/>
           </a:p>
@@ -6063,14 +5865,14 @@
       </p:sp>
       <p:sp>
         <p:nvSpPr>
-          <p:cNvPr id="46" name="正方形/長方形 45"/>
+          <p:cNvPr id="50" name="正方形/長方形 49"/>
           <p:cNvSpPr/>
           <p:nvPr/>
         </p:nvSpPr>
         <p:spPr>
           <a:xfrm>
-            <a:off x="6572241" y="2340775"/>
-            <a:ext cx="1514478" cy="590550"/>
+            <a:off x="10186946" y="1612114"/>
+            <a:ext cx="1658039" cy="590549"/>
           </a:xfrm>
           <a:prstGeom prst="rect">
             <a:avLst/>
@@ -6099,7 +5901,7 @@
             <a:pPr algn="ctr"/>
             <a:r>
               <a:rPr kumimoji="1" lang="en-US" altLang="ja-JP" dirty="0" smtClean="0"/>
-              <a:t>Panasonic bulletin board</a:t>
+              <a:t>Oracle HVAC simulator</a:t>
             </a:r>
             <a:endParaRPr kumimoji="1" lang="ja-JP" altLang="en-US" dirty="0"/>
           </a:p>
@@ -6107,13 +5909,13 @@
       </p:sp>
       <p:sp>
         <p:nvSpPr>
-          <p:cNvPr id="50" name="正方形/長方形 49"/>
+          <p:cNvPr id="51" name="正方形/長方形 50"/>
           <p:cNvSpPr/>
           <p:nvPr/>
         </p:nvSpPr>
         <p:spPr>
           <a:xfrm>
-            <a:off x="10186946" y="1612114"/>
+            <a:off x="10186945" y="2350305"/>
             <a:ext cx="1658039" cy="590549"/>
           </a:xfrm>
           <a:prstGeom prst="rect">
@@ -6143,7 +5945,7 @@
             <a:pPr algn="ctr"/>
             <a:r>
               <a:rPr kumimoji="1" lang="en-US" altLang="ja-JP" dirty="0" smtClean="0"/>
-              <a:t>Oracle HVAC simulator</a:t>
+              <a:t>Oracle fest plant simulator</a:t>
             </a:r>
             <a:endParaRPr kumimoji="1" lang="ja-JP" altLang="en-US" dirty="0"/>
           </a:p>
@@ -6151,14 +5953,14 @@
       </p:sp>
       <p:sp>
         <p:nvSpPr>
-          <p:cNvPr id="51" name="正方形/長方形 50"/>
+          <p:cNvPr id="52" name="正方形/長方形 51"/>
           <p:cNvSpPr/>
           <p:nvPr/>
         </p:nvSpPr>
         <p:spPr>
           <a:xfrm>
-            <a:off x="10186945" y="2350305"/>
-            <a:ext cx="1658039" cy="590549"/>
+            <a:off x="8655323" y="4167183"/>
+            <a:ext cx="1385888" cy="590550"/>
           </a:xfrm>
           <a:prstGeom prst="rect">
             <a:avLst/>
@@ -6187,50 +5989,6 @@
             <a:pPr algn="ctr"/>
             <a:r>
               <a:rPr kumimoji="1" lang="en-US" altLang="ja-JP" dirty="0" smtClean="0"/>
-              <a:t>Oracle fest plant simulator</a:t>
-            </a:r>
-            <a:endParaRPr kumimoji="1" lang="ja-JP" altLang="en-US" dirty="0"/>
-          </a:p>
-        </p:txBody>
-      </p:sp>
-      <p:sp>
-        <p:nvSpPr>
-          <p:cNvPr id="52" name="正方形/長方形 51"/>
-          <p:cNvSpPr/>
-          <p:nvPr/>
-        </p:nvSpPr>
-        <p:spPr>
-          <a:xfrm>
-            <a:off x="7500893" y="4167183"/>
-            <a:ext cx="1385888" cy="590550"/>
-          </a:xfrm>
-          <a:prstGeom prst="rect">
-            <a:avLst/>
-          </a:prstGeom>
-        </p:spPr>
-        <p:style>
-          <a:lnRef idx="2">
-            <a:schemeClr val="accent1">
-              <a:shade val="50000"/>
-            </a:schemeClr>
-          </a:lnRef>
-          <a:fillRef idx="1">
-            <a:schemeClr val="accent1"/>
-          </a:fillRef>
-          <a:effectRef idx="0">
-            <a:schemeClr val="accent1"/>
-          </a:effectRef>
-          <a:fontRef idx="minor">
-            <a:schemeClr val="lt1"/>
-          </a:fontRef>
-        </p:style>
-        <p:txBody>
-          <a:bodyPr rtlCol="0" anchor="ctr"/>
-          <a:lstStyle/>
-          <a:p>
-            <a:pPr algn="ctr"/>
-            <a:r>
-              <a:rPr kumimoji="1" lang="en-US" altLang="ja-JP" dirty="0" smtClean="0"/>
               <a:t>Siemens devices?</a:t>
             </a:r>
             <a:endParaRPr kumimoji="1" lang="ja-JP" altLang="en-US" dirty="0"/>
@@ -6248,8 +6006,8 @@
         </p:nvCxnSpPr>
         <p:spPr>
           <a:xfrm flipH="1">
-            <a:off x="1576496" y="3810005"/>
-            <a:ext cx="1427434" cy="259547"/>
+            <a:off x="1928041" y="3559025"/>
+            <a:ext cx="2346747" cy="510528"/>
           </a:xfrm>
           <a:prstGeom prst="line">
             <a:avLst/>
@@ -6281,8 +6039,8 @@
         </p:nvCxnSpPr>
         <p:spPr>
           <a:xfrm>
-            <a:off x="3003930" y="3810005"/>
-            <a:ext cx="3662957" cy="259547"/>
+            <a:off x="4274788" y="3559025"/>
+            <a:ext cx="3546529" cy="510527"/>
           </a:xfrm>
           <a:prstGeom prst="line">
             <a:avLst/>
@@ -6341,7 +6099,7 @@
             <a:pPr algn="ctr"/>
             <a:r>
               <a:rPr kumimoji="1" lang="en-US" altLang="ja-JP" dirty="0" smtClean="0"/>
-              <a:t>Applications</a:t>
+              <a:t>Application</a:t>
             </a:r>
             <a:endParaRPr kumimoji="1" lang="ja-JP" altLang="en-US" dirty="0"/>
           </a:p>
@@ -6544,7 +6302,7 @@
         </p:nvSpPr>
         <p:spPr>
           <a:xfrm>
-            <a:off x="835908" y="6379368"/>
+            <a:off x="790188" y="5913004"/>
             <a:ext cx="1481175" cy="369332"/>
           </a:xfrm>
           <a:prstGeom prst="rect">
@@ -6574,7 +6332,7 @@
         </p:nvSpPr>
         <p:spPr>
           <a:xfrm>
-            <a:off x="7771436" y="5298037"/>
+            <a:off x="8925866" y="5298037"/>
             <a:ext cx="1256754" cy="369332"/>
           </a:xfrm>
           <a:prstGeom prst="rect">
@@ -6607,7 +6365,7 @@
         </p:nvCxnSpPr>
         <p:spPr>
           <a:xfrm flipH="1">
-            <a:off x="3286092" y="4855365"/>
+            <a:off x="4440522" y="4855365"/>
             <a:ext cx="1" cy="221454"/>
           </a:xfrm>
           <a:prstGeom prst="line">
@@ -6640,8 +6398,8 @@
         </p:nvCxnSpPr>
         <p:spPr>
           <a:xfrm>
-            <a:off x="3003930" y="3810005"/>
-            <a:ext cx="282163" cy="259547"/>
+            <a:off x="4274788" y="3559025"/>
+            <a:ext cx="165735" cy="510527"/>
           </a:xfrm>
           <a:prstGeom prst="line">
             <a:avLst/>
@@ -6670,7 +6428,7 @@
         </p:nvSpPr>
         <p:spPr>
           <a:xfrm>
-            <a:off x="2733347" y="5664983"/>
+            <a:off x="3887777" y="5664983"/>
             <a:ext cx="1481175" cy="369332"/>
           </a:xfrm>
           <a:prstGeom prst="rect">
@@ -6790,24 +6548,53 @@
       </p:sp>
       <p:sp>
         <p:nvSpPr>
-          <p:cNvPr id="23" name="スライド番号プレースホルダー 22"/>
-          <p:cNvSpPr>
-            <a:spLocks noGrp="1"/>
-          </p:cNvSpPr>
-          <p:nvPr>
-            <p:ph type="sldNum" sz="quarter" idx="12"/>
-          </p:nvPr>
-        </p:nvSpPr>
-        <p:spPr/>
-        <p:txBody>
-          <a:bodyPr/>
-          <a:lstStyle/>
-          <a:p>
-            <a:fld id="{C8D64EF4-1CDB-4D2D-BB89-E18541D2FD39}" type="slidenum">
-              <a:rPr kumimoji="1" lang="ja-JP" altLang="en-US" smtClean="0"/>
-              <a:t>2</a:t>
-            </a:fld>
-            <a:endParaRPr kumimoji="1" lang="ja-JP" altLang="en-US"/>
+          <p:cNvPr id="47" name="正方形/長方形 46"/>
+          <p:cNvSpPr/>
+          <p:nvPr/>
+        </p:nvSpPr>
+        <p:spPr>
+          <a:xfrm>
+            <a:off x="499055" y="4905372"/>
+            <a:ext cx="1385888" cy="843917"/>
+          </a:xfrm>
+          <a:prstGeom prst="rect">
+            <a:avLst/>
+          </a:prstGeom>
+        </p:spPr>
+        <p:style>
+          <a:lnRef idx="2">
+            <a:schemeClr val="accent1">
+              <a:shade val="50000"/>
+            </a:schemeClr>
+          </a:lnRef>
+          <a:fillRef idx="1">
+            <a:schemeClr val="accent1"/>
+          </a:fillRef>
+          <a:effectRef idx="0">
+            <a:schemeClr val="accent1"/>
+          </a:effectRef>
+          <a:fontRef idx="minor">
+            <a:schemeClr val="lt1"/>
+          </a:fontRef>
+        </p:style>
+        <p:txBody>
+          <a:bodyPr rtlCol="0" anchor="ctr"/>
+          <a:lstStyle/>
+          <a:p>
+            <a:pPr algn="ctr"/>
+            <a:r>
+              <a:rPr kumimoji="1" lang="en-US" altLang="ja-JP" dirty="0" smtClean="0"/>
+              <a:t>Fujitsu </a:t>
+            </a:r>
+            <a:r>
+              <a:rPr kumimoji="1" lang="en-US" altLang="ja-JP" dirty="0" smtClean="0"/>
+              <a:t>wearable </a:t>
+            </a:r>
+            <a:r>
+              <a:rPr kumimoji="1" lang="en-US" altLang="ja-JP" dirty="0" smtClean="0"/>
+              <a:t>sensor</a:t>
+            </a:r>
+            <a:endParaRPr kumimoji="1" lang="ja-JP" altLang="en-US" dirty="0"/>
           </a:p>
         </p:txBody>
       </p:sp>
